--- a/Networks intro.pptx
+++ b/Networks intro.pptx
@@ -235,7 +235,7 @@
           <a:p>
             <a:fld id="{73B2889B-A0AC-4482-8592-5C96F2309420}" type="datetimeFigureOut">
               <a:rPr lang="en-US" smtClean="0"/>
-              <a:t>11/2/2020</a:t>
+              <a:t>11/3/2020</a:t>
             </a:fld>
             <a:endParaRPr lang="en-US"/>
           </a:p>
@@ -412,7 +412,7 @@
           <a:p>
             <a:fld id="{830EB223-FFC0-462A-A3B8-EAA7CE0F8CBD}" type="datetimeFigureOut">
               <a:rPr lang="en-US" smtClean="0"/>
-              <a:t>11/2/2020</a:t>
+              <a:t>11/3/2020</a:t>
             </a:fld>
             <a:endParaRPr lang="en-US" dirty="0"/>
           </a:p>
@@ -1268,7 +1268,7 @@
           <a:p>
             <a:fld id="{DECF21A4-E71B-4D3A-AF45-E989C23A7BB1}" type="datetimeFigureOut">
               <a:rPr lang="en-US" smtClean="0"/>
-              <a:t>11/2/2020</a:t>
+              <a:t>11/3/2020</a:t>
             </a:fld>
             <a:endParaRPr lang="en-US" dirty="0"/>
           </a:p>
@@ -1468,7 +1468,7 @@
           <a:p>
             <a:fld id="{DECF21A4-E71B-4D3A-AF45-E989C23A7BB1}" type="datetimeFigureOut">
               <a:rPr lang="en-US" smtClean="0"/>
-              <a:t>11/2/2020</a:t>
+              <a:t>11/3/2020</a:t>
             </a:fld>
             <a:endParaRPr lang="en-US" dirty="0"/>
           </a:p>
@@ -1678,7 +1678,7 @@
           <a:p>
             <a:fld id="{DECF21A4-E71B-4D3A-AF45-E989C23A7BB1}" type="datetimeFigureOut">
               <a:rPr lang="en-US" smtClean="0"/>
-              <a:t>11/2/2020</a:t>
+              <a:t>11/3/2020</a:t>
             </a:fld>
             <a:endParaRPr lang="en-US" dirty="0"/>
           </a:p>
@@ -1878,7 +1878,7 @@
           <a:p>
             <a:fld id="{DECF21A4-E71B-4D3A-AF45-E989C23A7BB1}" type="datetimeFigureOut">
               <a:rPr lang="en-US" smtClean="0"/>
-              <a:t>11/2/2020</a:t>
+              <a:t>11/3/2020</a:t>
             </a:fld>
             <a:endParaRPr lang="en-US" dirty="0"/>
           </a:p>
@@ -2154,7 +2154,7 @@
           <a:p>
             <a:fld id="{DECF21A4-E71B-4D3A-AF45-E989C23A7BB1}" type="datetimeFigureOut">
               <a:rPr lang="en-US" smtClean="0"/>
-              <a:t>11/2/2020</a:t>
+              <a:t>11/3/2020</a:t>
             </a:fld>
             <a:endParaRPr lang="en-US" dirty="0"/>
           </a:p>
@@ -2422,7 +2422,7 @@
           <a:p>
             <a:fld id="{DECF21A4-E71B-4D3A-AF45-E989C23A7BB1}" type="datetimeFigureOut">
               <a:rPr lang="en-US" smtClean="0"/>
-              <a:t>11/2/2020</a:t>
+              <a:t>11/3/2020</a:t>
             </a:fld>
             <a:endParaRPr lang="en-US" dirty="0"/>
           </a:p>
@@ -2837,7 +2837,7 @@
           <a:p>
             <a:fld id="{DECF21A4-E71B-4D3A-AF45-E989C23A7BB1}" type="datetimeFigureOut">
               <a:rPr lang="en-US" smtClean="0"/>
-              <a:t>11/2/2020</a:t>
+              <a:t>11/3/2020</a:t>
             </a:fld>
             <a:endParaRPr lang="en-US" dirty="0"/>
           </a:p>
@@ -2979,7 +2979,7 @@
           <a:p>
             <a:fld id="{DECF21A4-E71B-4D3A-AF45-E989C23A7BB1}" type="datetimeFigureOut">
               <a:rPr lang="en-US" smtClean="0"/>
-              <a:t>11/2/2020</a:t>
+              <a:t>11/3/2020</a:t>
             </a:fld>
             <a:endParaRPr lang="en-US" dirty="0"/>
           </a:p>
@@ -3092,7 +3092,7 @@
           <a:p>
             <a:fld id="{DECF21A4-E71B-4D3A-AF45-E989C23A7BB1}" type="datetimeFigureOut">
               <a:rPr lang="en-US" smtClean="0"/>
-              <a:t>11/2/2020</a:t>
+              <a:t>11/3/2020</a:t>
             </a:fld>
             <a:endParaRPr lang="en-US" dirty="0"/>
           </a:p>
@@ -3405,7 +3405,7 @@
           <a:p>
             <a:fld id="{DECF21A4-E71B-4D3A-AF45-E989C23A7BB1}" type="datetimeFigureOut">
               <a:rPr lang="en-US" smtClean="0"/>
-              <a:t>11/2/2020</a:t>
+              <a:t>11/3/2020</a:t>
             </a:fld>
             <a:endParaRPr lang="en-US" dirty="0"/>
           </a:p>
@@ -3698,7 +3698,7 @@
           <a:p>
             <a:fld id="{DECF21A4-E71B-4D3A-AF45-E989C23A7BB1}" type="datetimeFigureOut">
               <a:rPr lang="en-US" smtClean="0"/>
-              <a:t>11/2/2020</a:t>
+              <a:t>11/3/2020</a:t>
             </a:fld>
             <a:endParaRPr lang="en-US" dirty="0"/>
           </a:p>
@@ -3940,7 +3940,7 @@
           <a:p>
             <a:fld id="{DECF21A4-E71B-4D3A-AF45-E989C23A7BB1}" type="datetimeFigureOut">
               <a:rPr lang="en-US" smtClean="0"/>
-              <a:t>11/2/2020</a:t>
+              <a:t>11/3/2020</a:t>
             </a:fld>
             <a:endParaRPr lang="en-US" dirty="0"/>
           </a:p>
@@ -4419,7 +4419,7 @@
                 <a16:creationId xmlns:a16="http://schemas.microsoft.com/office/drawing/2014/main" id="{F6E384F5-137A-40B1-97F0-694CC6ECD59C}"/>
               </a:ext>
               <a:ext uri="{C183D7F6-B498-43B3-948B-1728B52AA6E4}">
-                <adec:decorative xmlns:adec="http://schemas.microsoft.com/office/drawing/2017/decorative" xmlns="" val="1"/>
+                <adec:decorative xmlns="" xmlns:adec="http://schemas.microsoft.com/office/drawing/2017/decorative" val="1"/>
               </a:ext>
             </a:extLst>
           </p:cNvPr>
@@ -4596,7 +4596,7 @@
                 <a16:creationId xmlns:a16="http://schemas.microsoft.com/office/drawing/2014/main" id="{EBA87361-6D30-46E4-834B-719CF59055EA}"/>
               </a:ext>
               <a:ext uri="{C183D7F6-B498-43B3-948B-1728B52AA6E4}">
-                <adec:decorative xmlns:adec="http://schemas.microsoft.com/office/drawing/2017/decorative" xmlns="" val="1"/>
+                <adec:decorative xmlns="" xmlns:adec="http://schemas.microsoft.com/office/drawing/2017/decorative" val="1"/>
               </a:ext>
             </a:extLst>
           </p:cNvPr>
@@ -4771,7 +4771,7 @@
                 <a16:creationId xmlns:a16="http://schemas.microsoft.com/office/drawing/2014/main" id="{9DBC4630-03DA-474F-BBCB-BA3AE6B317A4}"/>
               </a:ext>
               <a:ext uri="{C183D7F6-B498-43B3-948B-1728B52AA6E4}">
-                <adec:decorative xmlns:adec="http://schemas.microsoft.com/office/drawing/2017/decorative" xmlns="" val="1"/>
+                <adec:decorative xmlns="" xmlns:adec="http://schemas.microsoft.com/office/drawing/2017/decorative" val="1"/>
               </a:ext>
             </a:extLst>
           </p:cNvPr>
@@ -4942,7 +4942,7 @@
                 <a16:creationId xmlns:a16="http://schemas.microsoft.com/office/drawing/2014/main" id="{D89DB1C0-FEEC-4CB6-88B2-F9C5562E09D1}"/>
               </a:ext>
               <a:ext uri="{C183D7F6-B498-43B3-948B-1728B52AA6E4}">
-                <adec:decorative xmlns:adec="http://schemas.microsoft.com/office/drawing/2017/decorative" xmlns="" val="1"/>
+                <adec:decorative xmlns="" xmlns:adec="http://schemas.microsoft.com/office/drawing/2017/decorative" val="1"/>
               </a:ext>
             </a:extLst>
           </p:cNvPr>
@@ -5111,7 +5111,7 @@
                 <a16:creationId xmlns:a16="http://schemas.microsoft.com/office/drawing/2014/main" id="{78418A25-6EAC-4140-BFE6-284E1925B5EE}"/>
               </a:ext>
               <a:ext uri="{C183D7F6-B498-43B3-948B-1728B52AA6E4}">
-                <adec:decorative xmlns:adec="http://schemas.microsoft.com/office/drawing/2017/decorative" xmlns="" val="1"/>
+                <adec:decorative xmlns="" xmlns:adec="http://schemas.microsoft.com/office/drawing/2017/decorative" val="1"/>
               </a:ext>
             </a:extLst>
           </p:cNvPr>
@@ -5205,7 +5205,7 @@
                 <a16:creationId xmlns:a16="http://schemas.microsoft.com/office/drawing/2014/main" id="{08163D1C-ED91-4D5F-A33B-CF1256B270D4}"/>
               </a:ext>
               <a:ext uri="{C183D7F6-B498-43B3-948B-1728B52AA6E4}">
-                <adec:decorative xmlns:adec="http://schemas.microsoft.com/office/drawing/2017/decorative" xmlns="" val="1"/>
+                <adec:decorative xmlns="" xmlns:adec="http://schemas.microsoft.com/office/drawing/2017/decorative" val="1"/>
               </a:ext>
             </a:extLst>
           </p:cNvPr>
@@ -5297,7 +5297,7 @@
                 <a16:creationId xmlns:a16="http://schemas.microsoft.com/office/drawing/2014/main" id="{31103AB2-C090-458F-B752-294F23AFA8AD}"/>
               </a:ext>
               <a:ext uri="{C183D7F6-B498-43B3-948B-1728B52AA6E4}">
-                <adec:decorative xmlns:adec="http://schemas.microsoft.com/office/drawing/2017/decorative" xmlns="" val="1"/>
+                <adec:decorative xmlns="" xmlns:adec="http://schemas.microsoft.com/office/drawing/2017/decorative" val="1"/>
               </a:ext>
             </a:extLst>
           </p:cNvPr>
@@ -5466,7 +5466,7 @@
                 <a16:creationId xmlns:a16="http://schemas.microsoft.com/office/drawing/2014/main" id="{83D471F3-782A-4BA1-9CAB-FF5CDF0A75E0}"/>
               </a:ext>
               <a:ext uri="{C183D7F6-B498-43B3-948B-1728B52AA6E4}">
-                <adec:decorative xmlns:adec="http://schemas.microsoft.com/office/drawing/2017/decorative" xmlns="" val="1"/>
+                <adec:decorative xmlns="" xmlns:adec="http://schemas.microsoft.com/office/drawing/2017/decorative" val="1"/>
               </a:ext>
             </a:extLst>
           </p:cNvPr>
@@ -7105,8 +7105,16 @@
           <a:lstStyle/>
           <a:p>
             <a:r>
-              <a:rPr lang="en-NZ" dirty="0" err="1" smtClean="0"/>
-              <a:t>Excercise</a:t>
+              <a:rPr lang="en-NZ" dirty="0" smtClean="0"/>
+              <a:t>Exercise: download </a:t>
+            </a:r>
+            <a:r>
+              <a:rPr lang="en-NZ" dirty="0"/>
+              <a:t>workshop </a:t>
+            </a:r>
+            <a:r>
+              <a:rPr lang="en-NZ" dirty="0" smtClean="0"/>
+              <a:t>material</a:t>
             </a:r>
             <a:endParaRPr lang="en-NZ" dirty="0"/>
           </a:p>
@@ -7131,38 +7139,14 @@
               <a:buNone/>
             </a:pPr>
             <a:r>
+              <a:rPr lang="en-NZ" dirty="0" smtClean="0"/>
+              <a:t>Open </a:t>
+            </a:r>
+            <a:r>
               <a:rPr lang="en-NZ" dirty="0" err="1" smtClean="0"/>
-              <a:t>install.packages</a:t>
-            </a:r>
-            <a:r>
-              <a:rPr lang="en-NZ" dirty="0" smtClean="0"/>
-              <a:t>(‘</a:t>
-            </a:r>
-            <a:r>
-              <a:rPr lang="en-NZ" dirty="0" err="1" smtClean="0"/>
-              <a:t>igraph</a:t>
-            </a:r>
-            <a:r>
-              <a:rPr lang="en-NZ" dirty="0" smtClean="0"/>
-              <a:t>’)</a:t>
-            </a:r>
-          </a:p>
-          <a:p>
-            <a:pPr marL="0" indent="0">
-              <a:buNone/>
-            </a:pPr>
-            <a:r>
-              <a:rPr lang="en-NZ" smtClean="0"/>
-              <a:t>library(</a:t>
-            </a:r>
-            <a:r>
-              <a:rPr lang="en-NZ" dirty="0" err="1" smtClean="0"/>
-              <a:t>igraph</a:t>
-            </a:r>
-            <a:r>
-              <a:rPr lang="en-NZ" dirty="0" smtClean="0"/>
-              <a:t>)</a:t>
-            </a:r>
+              <a:t>Rstudio</a:t>
+            </a:r>
+            <a:endParaRPr lang="en-NZ" dirty="0" smtClean="0"/>
           </a:p>
           <a:p>
             <a:pPr marL="0" indent="0">
@@ -7175,19 +7159,53 @@
               <a:buNone/>
             </a:pPr>
             <a:r>
-              <a:rPr lang="en-NZ" dirty="0" smtClean="0"/>
-              <a:t>https</a:t>
-            </a:r>
-            <a:r>
-              <a:rPr lang="en-NZ" dirty="0"/>
-              <a:t>://kateto.net/networks-r-igraph</a:t>
-            </a:r>
+              <a:rPr lang="en-NZ" sz="2000" dirty="0" err="1"/>
+              <a:t>download.file</a:t>
+            </a:r>
+            <a:r>
+              <a:rPr lang="en-NZ" sz="2000" dirty="0"/>
+              <a:t>('https://github.com/</a:t>
+            </a:r>
+            <a:r>
+              <a:rPr lang="en-NZ" sz="2000" dirty="0" err="1"/>
+              <a:t>mubashirqasim</a:t>
+            </a:r>
+            <a:r>
+              <a:rPr lang="en-NZ" sz="2000" dirty="0"/>
+              <a:t>/tpm_workshop_2020/archive/master.zip')</a:t>
+            </a:r>
+            <a:endParaRPr lang="en-NZ" sz="2000" dirty="0" smtClean="0"/>
+          </a:p>
+          <a:p>
+            <a:pPr marL="0" indent="0">
+              <a:buNone/>
+            </a:pPr>
+            <a:r>
+              <a:rPr lang="en-NZ" sz="2000" dirty="0"/>
+              <a:t>unzip('master.zip</a:t>
+            </a:r>
+            <a:r>
+              <a:rPr lang="en-NZ" sz="2000" dirty="0" smtClean="0"/>
+              <a:t>')</a:t>
+            </a:r>
+          </a:p>
+          <a:p>
+            <a:pPr marL="0" indent="0">
+              <a:buNone/>
+            </a:pPr>
+            <a:endParaRPr lang="en-NZ" sz="2000" dirty="0"/>
+          </a:p>
+          <a:p>
+            <a:pPr marL="0" indent="0">
+              <a:buNone/>
+            </a:pPr>
+            <a:endParaRPr lang="en-NZ" sz="2000" dirty="0"/>
           </a:p>
         </p:txBody>
       </p:sp>
       <p:pic>
         <p:nvPicPr>
-          <p:cNvPr id="4" name="Picture 3"/>
+          <p:cNvPr id="5" name="Picture 4"/>
           <p:cNvPicPr>
             <a:picLocks noChangeAspect="1"/>
           </p:cNvPicPr>
@@ -7201,8 +7219,8 @@
         </p:blipFill>
         <p:spPr>
           <a:xfrm>
-            <a:off x="838200" y="4278085"/>
-            <a:ext cx="7251337" cy="1898877"/>
+            <a:off x="847725" y="3748087"/>
+            <a:ext cx="5248275" cy="3019425"/>
           </a:xfrm>
           <a:prstGeom prst="rect">
             <a:avLst/>
@@ -8223,7 +8241,6 @@
               <a:rPr lang="en-NZ" sz="3200" dirty="0"/>
               <a:t>A node’s closeness is the average number of hops required to reach every other node in the network.</a:t>
             </a:r>
-            <a:endParaRPr lang="en-NZ" sz="3200" dirty="0"/>
           </a:p>
         </p:txBody>
       </p:sp>
@@ -9305,6 +9322,14 @@
 </file>
 
 <file path=customXml/item1.xml><?xml version="1.0" encoding="utf-8"?>
+<p:properties xmlns:p="http://schemas.microsoft.com/office/2006/metadata/properties" xmlns:xsi="http://www.w3.org/2001/XMLSchema-instance" xmlns:pc="http://schemas.microsoft.com/office/infopath/2007/PartnerControls">
+  <documentManagement>
+    <MediaServiceKeyPoints xmlns="71af3243-3dd4-4a8d-8c0d-dd76da1f02a5" xsi:nil="true"/>
+  </documentManagement>
+</p:properties>
+</file>
+
+<file path=customXml/item2.xml><?xml version="1.0" encoding="utf-8"?>
 <ct:contentTypeSchema xmlns:ct="http://schemas.microsoft.com/office/2006/metadata/contentType" xmlns:ma="http://schemas.microsoft.com/office/2006/metadata/properties/metaAttributes" ct:_="" ma:_="" ma:contentTypeName="Document" ma:contentTypeID="0x01010079F111ED35F8CC479449609E8A0923A6" ma:contentTypeVersion="11" ma:contentTypeDescription="Create a new document." ma:contentTypeScope="" ma:versionID="96291512c1ee715ab617f4c07df79fc1">
   <xsd:schema xmlns:xsd="http://www.w3.org/2001/XMLSchema" xmlns:xs="http://www.w3.org/2001/XMLSchema" xmlns:p="http://schemas.microsoft.com/office/2006/metadata/properties" xmlns:ns2="71af3243-3dd4-4a8d-8c0d-dd76da1f02a5" xmlns:ns3="16c05727-aa75-4e4a-9b5f-8a80a1165891" targetNamespace="http://schemas.microsoft.com/office/2006/metadata/properties" ma:root="true" ma:fieldsID="8256c27c40ca5c40ce1cf6c44f0205df" ns2:_="" ns3:_="">
     <xsd:import namespace="71af3243-3dd4-4a8d-8c0d-dd76da1f02a5"/>
@@ -9515,14 +9540,6 @@
 </ct:contentTypeSchema>
 </file>
 
-<file path=customXml/item2.xml><?xml version="1.0" encoding="utf-8"?>
-<p:properties xmlns:p="http://schemas.microsoft.com/office/2006/metadata/properties" xmlns:xsi="http://www.w3.org/2001/XMLSchema-instance" xmlns:pc="http://schemas.microsoft.com/office/infopath/2007/PartnerControls">
-  <documentManagement>
-    <MediaServiceKeyPoints xmlns="71af3243-3dd4-4a8d-8c0d-dd76da1f02a5" xsi:nil="true"/>
-  </documentManagement>
-</p:properties>
-</file>
-
 <file path=customXml/item3.xml><?xml version="1.0" encoding="utf-8"?>
 <?mso-contentType ?>
 <FormTemplates xmlns="http://schemas.microsoft.com/sharepoint/v3/contenttype/forms">
@@ -9533,6 +9550,23 @@
 </file>
 
 <file path=customXml/itemProps1.xml><?xml version="1.0" encoding="utf-8"?>
+<ds:datastoreItem xmlns:ds="http://schemas.openxmlformats.org/officeDocument/2006/customXml" ds:itemID="{03C7D9E6-B0D9-433E-BD46-EB60F64F4DA8}">
+  <ds:schemaRefs>
+    <ds:schemaRef ds:uri="http://schemas.microsoft.com/office/infopath/2007/PartnerControls"/>
+    <ds:schemaRef ds:uri="http://purl.org/dc/terms/"/>
+    <ds:schemaRef ds:uri="http://schemas.microsoft.com/office/2006/documentManagement/types"/>
+    <ds:schemaRef ds:uri="http://purl.org/dc/elements/1.1/"/>
+    <ds:schemaRef ds:uri="http://schemas.microsoft.com/office/2006/metadata/properties"/>
+    <ds:schemaRef ds:uri="http://schemas.openxmlformats.org/package/2006/metadata/core-properties"/>
+    <ds:schemaRef ds:uri="16c05727-aa75-4e4a-9b5f-8a80a1165891"/>
+    <ds:schemaRef ds:uri="71af3243-3dd4-4a8d-8c0d-dd76da1f02a5"/>
+    <ds:schemaRef ds:uri="http://www.w3.org/XML/1998/namespace"/>
+    <ds:schemaRef ds:uri="http://purl.org/dc/dcmitype/"/>
+  </ds:schemaRefs>
+</ds:datastoreItem>
+</file>
+
+<file path=customXml/itemProps2.xml><?xml version="1.0" encoding="utf-8"?>
 <ds:datastoreItem xmlns:ds="http://schemas.openxmlformats.org/officeDocument/2006/customXml" ds:itemID="{B2AB02E3-5ADF-4BF0-9C1B-35CDF3FE95B0}">
   <ds:schemaRefs>
     <ds:schemaRef ds:uri="http://schemas.microsoft.com/office/2006/metadata/contentType"/>
@@ -9551,23 +9585,6 @@
 </ds:datastoreItem>
 </file>
 
-<file path=customXml/itemProps2.xml><?xml version="1.0" encoding="utf-8"?>
-<ds:datastoreItem xmlns:ds="http://schemas.openxmlformats.org/officeDocument/2006/customXml" ds:itemID="{03C7D9E6-B0D9-433E-BD46-EB60F64F4DA8}">
-  <ds:schemaRefs>
-    <ds:schemaRef ds:uri="http://schemas.microsoft.com/office/infopath/2007/PartnerControls"/>
-    <ds:schemaRef ds:uri="http://purl.org/dc/terms/"/>
-    <ds:schemaRef ds:uri="http://schemas.microsoft.com/office/2006/documentManagement/types"/>
-    <ds:schemaRef ds:uri="http://purl.org/dc/elements/1.1/"/>
-    <ds:schemaRef ds:uri="http://schemas.microsoft.com/office/2006/metadata/properties"/>
-    <ds:schemaRef ds:uri="http://schemas.openxmlformats.org/package/2006/metadata/core-properties"/>
-    <ds:schemaRef ds:uri="16c05727-aa75-4e4a-9b5f-8a80a1165891"/>
-    <ds:schemaRef ds:uri="71af3243-3dd4-4a8d-8c0d-dd76da1f02a5"/>
-    <ds:schemaRef ds:uri="http://www.w3.org/XML/1998/namespace"/>
-    <ds:schemaRef ds:uri="http://purl.org/dc/dcmitype/"/>
-  </ds:schemaRefs>
-</ds:datastoreItem>
-</file>
-
 <file path=customXml/itemProps3.xml><?xml version="1.0" encoding="utf-8"?>
 <ds:datastoreItem xmlns:ds="http://schemas.openxmlformats.org/officeDocument/2006/customXml" ds:itemID="{5CA875DA-F9FD-4F83-A049-3B1027B542DE}">
   <ds:schemaRefs>

--- a/Networks intro.pptx
+++ b/Networks intro.pptx
@@ -5,10 +5,10 @@
     <p:sldMasterId id="2147483648" r:id="rId4"/>
   </p:sldMasterIdLst>
   <p:notesMasterIdLst>
-    <p:notesMasterId r:id="rId26"/>
+    <p:notesMasterId r:id="rId27"/>
   </p:notesMasterIdLst>
   <p:handoutMasterIdLst>
-    <p:handoutMasterId r:id="rId27"/>
+    <p:handoutMasterId r:id="rId28"/>
   </p:handoutMasterIdLst>
   <p:sldIdLst>
     <p:sldId id="256" r:id="rId5"/>
@@ -30,8 +30,9 @@
     <p:sldId id="273" r:id="rId21"/>
     <p:sldId id="275" r:id="rId22"/>
     <p:sldId id="274" r:id="rId23"/>
-    <p:sldId id="276" r:id="rId24"/>
-    <p:sldId id="259" r:id="rId25"/>
+    <p:sldId id="277" r:id="rId24"/>
+    <p:sldId id="276" r:id="rId25"/>
+    <p:sldId id="259" r:id="rId26"/>
   </p:sldIdLst>
   <p:sldSz cx="12192000" cy="6858000"/>
   <p:notesSz cx="6858000" cy="9144000"/>
@@ -4419,7 +4420,7 @@
                 <a16:creationId xmlns:a16="http://schemas.microsoft.com/office/drawing/2014/main" id="{F6E384F5-137A-40B1-97F0-694CC6ECD59C}"/>
               </a:ext>
               <a:ext uri="{C183D7F6-B498-43B3-948B-1728B52AA6E4}">
-                <adec:decorative xmlns="" xmlns:adec="http://schemas.microsoft.com/office/drawing/2017/decorative" val="1"/>
+                <adec:decorative xmlns:adec="http://schemas.microsoft.com/office/drawing/2017/decorative" xmlns="" val="1"/>
               </a:ext>
             </a:extLst>
           </p:cNvPr>
@@ -4596,7 +4597,7 @@
                 <a16:creationId xmlns:a16="http://schemas.microsoft.com/office/drawing/2014/main" id="{EBA87361-6D30-46E4-834B-719CF59055EA}"/>
               </a:ext>
               <a:ext uri="{C183D7F6-B498-43B3-948B-1728B52AA6E4}">
-                <adec:decorative xmlns="" xmlns:adec="http://schemas.microsoft.com/office/drawing/2017/decorative" val="1"/>
+                <adec:decorative xmlns:adec="http://schemas.microsoft.com/office/drawing/2017/decorative" xmlns="" val="1"/>
               </a:ext>
             </a:extLst>
           </p:cNvPr>
@@ -4771,7 +4772,7 @@
                 <a16:creationId xmlns:a16="http://schemas.microsoft.com/office/drawing/2014/main" id="{9DBC4630-03DA-474F-BBCB-BA3AE6B317A4}"/>
               </a:ext>
               <a:ext uri="{C183D7F6-B498-43B3-948B-1728B52AA6E4}">
-                <adec:decorative xmlns="" xmlns:adec="http://schemas.microsoft.com/office/drawing/2017/decorative" val="1"/>
+                <adec:decorative xmlns:adec="http://schemas.microsoft.com/office/drawing/2017/decorative" xmlns="" val="1"/>
               </a:ext>
             </a:extLst>
           </p:cNvPr>
@@ -4942,7 +4943,7 @@
                 <a16:creationId xmlns:a16="http://schemas.microsoft.com/office/drawing/2014/main" id="{D89DB1C0-FEEC-4CB6-88B2-F9C5562E09D1}"/>
               </a:ext>
               <a:ext uri="{C183D7F6-B498-43B3-948B-1728B52AA6E4}">
-                <adec:decorative xmlns="" xmlns:adec="http://schemas.microsoft.com/office/drawing/2017/decorative" val="1"/>
+                <adec:decorative xmlns:adec="http://schemas.microsoft.com/office/drawing/2017/decorative" xmlns="" val="1"/>
               </a:ext>
             </a:extLst>
           </p:cNvPr>
@@ -5111,7 +5112,7 @@
                 <a16:creationId xmlns:a16="http://schemas.microsoft.com/office/drawing/2014/main" id="{78418A25-6EAC-4140-BFE6-284E1925B5EE}"/>
               </a:ext>
               <a:ext uri="{C183D7F6-B498-43B3-948B-1728B52AA6E4}">
-                <adec:decorative xmlns="" xmlns:adec="http://schemas.microsoft.com/office/drawing/2017/decorative" val="1"/>
+                <adec:decorative xmlns:adec="http://schemas.microsoft.com/office/drawing/2017/decorative" xmlns="" val="1"/>
               </a:ext>
             </a:extLst>
           </p:cNvPr>
@@ -5205,7 +5206,7 @@
                 <a16:creationId xmlns:a16="http://schemas.microsoft.com/office/drawing/2014/main" id="{08163D1C-ED91-4D5F-A33B-CF1256B270D4}"/>
               </a:ext>
               <a:ext uri="{C183D7F6-B498-43B3-948B-1728B52AA6E4}">
-                <adec:decorative xmlns="" xmlns:adec="http://schemas.microsoft.com/office/drawing/2017/decorative" val="1"/>
+                <adec:decorative xmlns:adec="http://schemas.microsoft.com/office/drawing/2017/decorative" xmlns="" val="1"/>
               </a:ext>
             </a:extLst>
           </p:cNvPr>
@@ -5297,7 +5298,7 @@
                 <a16:creationId xmlns:a16="http://schemas.microsoft.com/office/drawing/2014/main" id="{31103AB2-C090-458F-B752-294F23AFA8AD}"/>
               </a:ext>
               <a:ext uri="{C183D7F6-B498-43B3-948B-1728B52AA6E4}">
-                <adec:decorative xmlns="" xmlns:adec="http://schemas.microsoft.com/office/drawing/2017/decorative" val="1"/>
+                <adec:decorative xmlns:adec="http://schemas.microsoft.com/office/drawing/2017/decorative" xmlns="" val="1"/>
               </a:ext>
             </a:extLst>
           </p:cNvPr>
@@ -5466,7 +5467,7 @@
                 <a16:creationId xmlns:a16="http://schemas.microsoft.com/office/drawing/2014/main" id="{83D471F3-782A-4BA1-9CAB-FF5CDF0A75E0}"/>
               </a:ext>
               <a:ext uri="{C183D7F6-B498-43B3-948B-1728B52AA6E4}">
-                <adec:decorative xmlns="" xmlns:adec="http://schemas.microsoft.com/office/drawing/2017/decorative" val="1"/>
+                <adec:decorative xmlns:adec="http://schemas.microsoft.com/office/drawing/2017/decorative" xmlns="" val="1"/>
               </a:ext>
             </a:extLst>
           </p:cNvPr>
@@ -7106,6 +7107,173 @@
           <a:p>
             <a:r>
               <a:rPr lang="en-NZ" dirty="0" smtClean="0"/>
+              <a:t>Network analysis in R</a:t>
+            </a:r>
+            <a:endParaRPr lang="en-NZ" dirty="0"/>
+          </a:p>
+        </p:txBody>
+      </p:sp>
+      <p:sp>
+        <p:nvSpPr>
+          <p:cNvPr id="3" name="Content Placeholder 2"/>
+          <p:cNvSpPr>
+            <a:spLocks noGrp="1"/>
+          </p:cNvSpPr>
+          <p:nvPr>
+            <p:ph idx="1"/>
+          </p:nvPr>
+        </p:nvSpPr>
+        <p:spPr/>
+        <p:txBody>
+          <a:bodyPr>
+            <a:normAutofit lnSpcReduction="10000"/>
+          </a:bodyPr>
+          <a:lstStyle/>
+          <a:p>
+            <a:r>
+              <a:rPr lang="en-NZ" dirty="0" smtClean="0"/>
+              <a:t>A range a libraries for several types of networks</a:t>
+            </a:r>
+          </a:p>
+          <a:p>
+            <a:pPr marL="0" indent="0">
+              <a:buNone/>
+            </a:pPr>
+            <a:endParaRPr lang="en-NZ" dirty="0" smtClean="0"/>
+          </a:p>
+          <a:p>
+            <a:pPr marL="0" indent="0">
+              <a:buNone/>
+            </a:pPr>
+            <a:r>
+              <a:rPr lang="en-NZ" dirty="0" err="1" smtClean="0"/>
+              <a:t>igraph</a:t>
+            </a:r>
+            <a:endParaRPr lang="en-NZ" dirty="0" smtClean="0"/>
+          </a:p>
+          <a:p>
+            <a:pPr marL="0" indent="0">
+              <a:buNone/>
+            </a:pPr>
+            <a:r>
+              <a:rPr lang="en-NZ" dirty="0">
+                <a:hlinkClick r:id="rId2"/>
+              </a:rPr>
+              <a:t>https://igraph.org</a:t>
+            </a:r>
+            <a:r>
+              <a:rPr lang="en-NZ" dirty="0" smtClean="0">
+                <a:hlinkClick r:id="rId2"/>
+              </a:rPr>
+              <a:t>/</a:t>
+            </a:r>
+            <a:r>
+              <a:rPr lang="en-NZ" dirty="0" smtClean="0"/>
+              <a:t> </a:t>
+            </a:r>
+            <a:endParaRPr lang="en-NZ" dirty="0"/>
+          </a:p>
+          <a:p>
+            <a:pPr marL="0" indent="0">
+              <a:buNone/>
+            </a:pPr>
+            <a:r>
+              <a:rPr lang="en-NZ" dirty="0" smtClean="0"/>
+              <a:t>Boring and hard</a:t>
+            </a:r>
+          </a:p>
+          <a:p>
+            <a:pPr marL="0" indent="0">
+              <a:buNone/>
+            </a:pPr>
+            <a:endParaRPr lang="en-NZ" dirty="0" smtClean="0"/>
+          </a:p>
+          <a:p>
+            <a:pPr marL="0" indent="0">
+              <a:buNone/>
+            </a:pPr>
+            <a:r>
+              <a:rPr lang="en-NZ" dirty="0" err="1"/>
+              <a:t>visNetwork</a:t>
+            </a:r>
+            <a:endParaRPr lang="en-NZ" dirty="0" smtClean="0"/>
+          </a:p>
+          <a:p>
+            <a:pPr marL="0" indent="0">
+              <a:buNone/>
+            </a:pPr>
+            <a:r>
+              <a:rPr lang="en-NZ" dirty="0">
+                <a:hlinkClick r:id="rId3"/>
+              </a:rPr>
+              <a:t>https://datastorm-open.github.io/visNetwork</a:t>
+            </a:r>
+            <a:r>
+              <a:rPr lang="en-NZ" dirty="0" smtClean="0">
+                <a:hlinkClick r:id="rId3"/>
+              </a:rPr>
+              <a:t>/</a:t>
+            </a:r>
+            <a:endParaRPr lang="en-NZ" dirty="0" smtClean="0"/>
+          </a:p>
+          <a:p>
+            <a:pPr marL="0" indent="0">
+              <a:buNone/>
+            </a:pPr>
+            <a:r>
+              <a:rPr lang="en-NZ" dirty="0" smtClean="0"/>
+              <a:t>Interactive and easy</a:t>
+            </a:r>
+          </a:p>
+        </p:txBody>
+      </p:sp>
+    </p:spTree>
+    <p:extLst>
+      <p:ext uri="{BB962C8B-B14F-4D97-AF65-F5344CB8AC3E}">
+        <p14:creationId xmlns:p14="http://schemas.microsoft.com/office/powerpoint/2010/main" val="1141059158"/>
+      </p:ext>
+    </p:extLst>
+  </p:cSld>
+  <p:clrMapOvr>
+    <a:masterClrMapping/>
+  </p:clrMapOvr>
+</p:sld>
+</file>
+
+<file path=ppt/slides/slide21.xml><?xml version="1.0" encoding="utf-8"?>
+<p:sld xmlns:a="http://schemas.openxmlformats.org/drawingml/2006/main" xmlns:r="http://schemas.openxmlformats.org/officeDocument/2006/relationships" xmlns:p="http://schemas.openxmlformats.org/presentationml/2006/main">
+  <p:cSld>
+    <p:spTree>
+      <p:nvGrpSpPr>
+        <p:cNvPr id="1" name=""/>
+        <p:cNvGrpSpPr/>
+        <p:nvPr/>
+      </p:nvGrpSpPr>
+      <p:grpSpPr>
+        <a:xfrm>
+          <a:off x="0" y="0"/>
+          <a:ext cx="0" cy="0"/>
+          <a:chOff x="0" y="0"/>
+          <a:chExt cx="0" cy="0"/>
+        </a:xfrm>
+      </p:grpSpPr>
+      <p:sp>
+        <p:nvSpPr>
+          <p:cNvPr id="2" name="Title 1"/>
+          <p:cNvSpPr>
+            <a:spLocks noGrp="1"/>
+          </p:cNvSpPr>
+          <p:nvPr>
+            <p:ph type="title"/>
+          </p:nvPr>
+        </p:nvSpPr>
+        <p:spPr/>
+        <p:txBody>
+          <a:bodyPr/>
+          <a:lstStyle/>
+          <a:p>
+            <a:r>
+              <a:rPr lang="en-NZ" dirty="0" smtClean="0"/>
               <a:t>Exercise: download </a:t>
             </a:r>
             <a:r>
@@ -7240,7 +7408,7 @@
 </p:sld>
 </file>
 
-<file path=ppt/slides/slide21.xml><?xml version="1.0" encoding="utf-8"?>
+<file path=ppt/slides/slide22.xml><?xml version="1.0" encoding="utf-8"?>
 <p:sld xmlns:a="http://schemas.openxmlformats.org/drawingml/2006/main" xmlns:r="http://schemas.openxmlformats.org/officeDocument/2006/relationships" xmlns:p="http://schemas.openxmlformats.org/presentationml/2006/main">
   <p:cSld>
     <p:spTree>
@@ -9322,14 +9490,6 @@
 </file>
 
 <file path=customXml/item1.xml><?xml version="1.0" encoding="utf-8"?>
-<p:properties xmlns:p="http://schemas.microsoft.com/office/2006/metadata/properties" xmlns:xsi="http://www.w3.org/2001/XMLSchema-instance" xmlns:pc="http://schemas.microsoft.com/office/infopath/2007/PartnerControls">
-  <documentManagement>
-    <MediaServiceKeyPoints xmlns="71af3243-3dd4-4a8d-8c0d-dd76da1f02a5" xsi:nil="true"/>
-  </documentManagement>
-</p:properties>
-</file>
-
-<file path=customXml/item2.xml><?xml version="1.0" encoding="utf-8"?>
 <ct:contentTypeSchema xmlns:ct="http://schemas.microsoft.com/office/2006/metadata/contentType" xmlns:ma="http://schemas.microsoft.com/office/2006/metadata/properties/metaAttributes" ct:_="" ma:_="" ma:contentTypeName="Document" ma:contentTypeID="0x01010079F111ED35F8CC479449609E8A0923A6" ma:contentTypeVersion="11" ma:contentTypeDescription="Create a new document." ma:contentTypeScope="" ma:versionID="96291512c1ee715ab617f4c07df79fc1">
   <xsd:schema xmlns:xsd="http://www.w3.org/2001/XMLSchema" xmlns:xs="http://www.w3.org/2001/XMLSchema" xmlns:p="http://schemas.microsoft.com/office/2006/metadata/properties" xmlns:ns2="71af3243-3dd4-4a8d-8c0d-dd76da1f02a5" xmlns:ns3="16c05727-aa75-4e4a-9b5f-8a80a1165891" targetNamespace="http://schemas.microsoft.com/office/2006/metadata/properties" ma:root="true" ma:fieldsID="8256c27c40ca5c40ce1cf6c44f0205df" ns2:_="" ns3:_="">
     <xsd:import namespace="71af3243-3dd4-4a8d-8c0d-dd76da1f02a5"/>
@@ -9540,6 +9700,14 @@
 </ct:contentTypeSchema>
 </file>
 
+<file path=customXml/item2.xml><?xml version="1.0" encoding="utf-8"?>
+<p:properties xmlns:p="http://schemas.microsoft.com/office/2006/metadata/properties" xmlns:xsi="http://www.w3.org/2001/XMLSchema-instance" xmlns:pc="http://schemas.microsoft.com/office/infopath/2007/PartnerControls">
+  <documentManagement>
+    <MediaServiceKeyPoints xmlns="71af3243-3dd4-4a8d-8c0d-dd76da1f02a5" xsi:nil="true"/>
+  </documentManagement>
+</p:properties>
+</file>
+
 <file path=customXml/item3.xml><?xml version="1.0" encoding="utf-8"?>
 <?mso-contentType ?>
 <FormTemplates xmlns="http://schemas.microsoft.com/sharepoint/v3/contenttype/forms">
@@ -9550,23 +9718,6 @@
 </file>
 
 <file path=customXml/itemProps1.xml><?xml version="1.0" encoding="utf-8"?>
-<ds:datastoreItem xmlns:ds="http://schemas.openxmlformats.org/officeDocument/2006/customXml" ds:itemID="{03C7D9E6-B0D9-433E-BD46-EB60F64F4DA8}">
-  <ds:schemaRefs>
-    <ds:schemaRef ds:uri="http://schemas.microsoft.com/office/infopath/2007/PartnerControls"/>
-    <ds:schemaRef ds:uri="http://purl.org/dc/terms/"/>
-    <ds:schemaRef ds:uri="http://schemas.microsoft.com/office/2006/documentManagement/types"/>
-    <ds:schemaRef ds:uri="http://purl.org/dc/elements/1.1/"/>
-    <ds:schemaRef ds:uri="http://schemas.microsoft.com/office/2006/metadata/properties"/>
-    <ds:schemaRef ds:uri="http://schemas.openxmlformats.org/package/2006/metadata/core-properties"/>
-    <ds:schemaRef ds:uri="16c05727-aa75-4e4a-9b5f-8a80a1165891"/>
-    <ds:schemaRef ds:uri="71af3243-3dd4-4a8d-8c0d-dd76da1f02a5"/>
-    <ds:schemaRef ds:uri="http://www.w3.org/XML/1998/namespace"/>
-    <ds:schemaRef ds:uri="http://purl.org/dc/dcmitype/"/>
-  </ds:schemaRefs>
-</ds:datastoreItem>
-</file>
-
-<file path=customXml/itemProps2.xml><?xml version="1.0" encoding="utf-8"?>
 <ds:datastoreItem xmlns:ds="http://schemas.openxmlformats.org/officeDocument/2006/customXml" ds:itemID="{B2AB02E3-5ADF-4BF0-9C1B-35CDF3FE95B0}">
   <ds:schemaRefs>
     <ds:schemaRef ds:uri="http://schemas.microsoft.com/office/2006/metadata/contentType"/>
@@ -9585,6 +9736,23 @@
 </ds:datastoreItem>
 </file>
 
+<file path=customXml/itemProps2.xml><?xml version="1.0" encoding="utf-8"?>
+<ds:datastoreItem xmlns:ds="http://schemas.openxmlformats.org/officeDocument/2006/customXml" ds:itemID="{03C7D9E6-B0D9-433E-BD46-EB60F64F4DA8}">
+  <ds:schemaRefs>
+    <ds:schemaRef ds:uri="http://schemas.microsoft.com/office/infopath/2007/PartnerControls"/>
+    <ds:schemaRef ds:uri="http://purl.org/dc/terms/"/>
+    <ds:schemaRef ds:uri="http://schemas.microsoft.com/office/2006/documentManagement/types"/>
+    <ds:schemaRef ds:uri="http://purl.org/dc/elements/1.1/"/>
+    <ds:schemaRef ds:uri="http://schemas.microsoft.com/office/2006/metadata/properties"/>
+    <ds:schemaRef ds:uri="http://schemas.openxmlformats.org/package/2006/metadata/core-properties"/>
+    <ds:schemaRef ds:uri="16c05727-aa75-4e4a-9b5f-8a80a1165891"/>
+    <ds:schemaRef ds:uri="71af3243-3dd4-4a8d-8c0d-dd76da1f02a5"/>
+    <ds:schemaRef ds:uri="http://www.w3.org/XML/1998/namespace"/>
+    <ds:schemaRef ds:uri="http://purl.org/dc/dcmitype/"/>
+  </ds:schemaRefs>
+</ds:datastoreItem>
+</file>
+
 <file path=customXml/itemProps3.xml><?xml version="1.0" encoding="utf-8"?>
 <ds:datastoreItem xmlns:ds="http://schemas.openxmlformats.org/officeDocument/2006/customXml" ds:itemID="{5CA875DA-F9FD-4F83-A049-3B1027B542DE}">
   <ds:schemaRefs>

--- a/Networks intro.pptx
+++ b/Networks intro.pptx
@@ -236,7 +236,7 @@
           <a:p>
             <a:fld id="{73B2889B-A0AC-4482-8592-5C96F2309420}" type="datetimeFigureOut">
               <a:rPr lang="en-US" smtClean="0"/>
-              <a:t>11/3/2020</a:t>
+              <a:t>11/4/2020</a:t>
             </a:fld>
             <a:endParaRPr lang="en-US"/>
           </a:p>
@@ -413,7 +413,7 @@
           <a:p>
             <a:fld id="{830EB223-FFC0-462A-A3B8-EAA7CE0F8CBD}" type="datetimeFigureOut">
               <a:rPr lang="en-US" smtClean="0"/>
-              <a:t>11/3/2020</a:t>
+              <a:t>11/4/2020</a:t>
             </a:fld>
             <a:endParaRPr lang="en-US" dirty="0"/>
           </a:p>
@@ -1269,7 +1269,7 @@
           <a:p>
             <a:fld id="{DECF21A4-E71B-4D3A-AF45-E989C23A7BB1}" type="datetimeFigureOut">
               <a:rPr lang="en-US" smtClean="0"/>
-              <a:t>11/3/2020</a:t>
+              <a:t>11/4/2020</a:t>
             </a:fld>
             <a:endParaRPr lang="en-US" dirty="0"/>
           </a:p>
@@ -1469,7 +1469,7 @@
           <a:p>
             <a:fld id="{DECF21A4-E71B-4D3A-AF45-E989C23A7BB1}" type="datetimeFigureOut">
               <a:rPr lang="en-US" smtClean="0"/>
-              <a:t>11/3/2020</a:t>
+              <a:t>11/4/2020</a:t>
             </a:fld>
             <a:endParaRPr lang="en-US" dirty="0"/>
           </a:p>
@@ -1679,7 +1679,7 @@
           <a:p>
             <a:fld id="{DECF21A4-E71B-4D3A-AF45-E989C23A7BB1}" type="datetimeFigureOut">
               <a:rPr lang="en-US" smtClean="0"/>
-              <a:t>11/3/2020</a:t>
+              <a:t>11/4/2020</a:t>
             </a:fld>
             <a:endParaRPr lang="en-US" dirty="0"/>
           </a:p>
@@ -1879,7 +1879,7 @@
           <a:p>
             <a:fld id="{DECF21A4-E71B-4D3A-AF45-E989C23A7BB1}" type="datetimeFigureOut">
               <a:rPr lang="en-US" smtClean="0"/>
-              <a:t>11/3/2020</a:t>
+              <a:t>11/4/2020</a:t>
             </a:fld>
             <a:endParaRPr lang="en-US" dirty="0"/>
           </a:p>
@@ -2155,7 +2155,7 @@
           <a:p>
             <a:fld id="{DECF21A4-E71B-4D3A-AF45-E989C23A7BB1}" type="datetimeFigureOut">
               <a:rPr lang="en-US" smtClean="0"/>
-              <a:t>11/3/2020</a:t>
+              <a:t>11/4/2020</a:t>
             </a:fld>
             <a:endParaRPr lang="en-US" dirty="0"/>
           </a:p>
@@ -2423,7 +2423,7 @@
           <a:p>
             <a:fld id="{DECF21A4-E71B-4D3A-AF45-E989C23A7BB1}" type="datetimeFigureOut">
               <a:rPr lang="en-US" smtClean="0"/>
-              <a:t>11/3/2020</a:t>
+              <a:t>11/4/2020</a:t>
             </a:fld>
             <a:endParaRPr lang="en-US" dirty="0"/>
           </a:p>
@@ -2838,7 +2838,7 @@
           <a:p>
             <a:fld id="{DECF21A4-E71B-4D3A-AF45-E989C23A7BB1}" type="datetimeFigureOut">
               <a:rPr lang="en-US" smtClean="0"/>
-              <a:t>11/3/2020</a:t>
+              <a:t>11/4/2020</a:t>
             </a:fld>
             <a:endParaRPr lang="en-US" dirty="0"/>
           </a:p>
@@ -2980,7 +2980,7 @@
           <a:p>
             <a:fld id="{DECF21A4-E71B-4D3A-AF45-E989C23A7BB1}" type="datetimeFigureOut">
               <a:rPr lang="en-US" smtClean="0"/>
-              <a:t>11/3/2020</a:t>
+              <a:t>11/4/2020</a:t>
             </a:fld>
             <a:endParaRPr lang="en-US" dirty="0"/>
           </a:p>
@@ -3093,7 +3093,7 @@
           <a:p>
             <a:fld id="{DECF21A4-E71B-4D3A-AF45-E989C23A7BB1}" type="datetimeFigureOut">
               <a:rPr lang="en-US" smtClean="0"/>
-              <a:t>11/3/2020</a:t>
+              <a:t>11/4/2020</a:t>
             </a:fld>
             <a:endParaRPr lang="en-US" dirty="0"/>
           </a:p>
@@ -3406,7 +3406,7 @@
           <a:p>
             <a:fld id="{DECF21A4-E71B-4D3A-AF45-E989C23A7BB1}" type="datetimeFigureOut">
               <a:rPr lang="en-US" smtClean="0"/>
-              <a:t>11/3/2020</a:t>
+              <a:t>11/4/2020</a:t>
             </a:fld>
             <a:endParaRPr lang="en-US" dirty="0"/>
           </a:p>
@@ -3699,7 +3699,7 @@
           <a:p>
             <a:fld id="{DECF21A4-E71B-4D3A-AF45-E989C23A7BB1}" type="datetimeFigureOut">
               <a:rPr lang="en-US" smtClean="0"/>
-              <a:t>11/3/2020</a:t>
+              <a:t>11/4/2020</a:t>
             </a:fld>
             <a:endParaRPr lang="en-US" dirty="0"/>
           </a:p>
@@ -3941,7 +3941,7 @@
           <a:p>
             <a:fld id="{DECF21A4-E71B-4D3A-AF45-E989C23A7BB1}" type="datetimeFigureOut">
               <a:rPr lang="en-US" smtClean="0"/>
-              <a:t>11/3/2020</a:t>
+              <a:t>11/4/2020</a:t>
             </a:fld>
             <a:endParaRPr lang="en-US" dirty="0"/>
           </a:p>
@@ -4420,7 +4420,7 @@
                 <a16:creationId xmlns:a16="http://schemas.microsoft.com/office/drawing/2014/main" id="{F6E384F5-137A-40B1-97F0-694CC6ECD59C}"/>
               </a:ext>
               <a:ext uri="{C183D7F6-B498-43B3-948B-1728B52AA6E4}">
-                <adec:decorative xmlns:adec="http://schemas.microsoft.com/office/drawing/2017/decorative" xmlns="" val="1"/>
+                <adec:decorative xmlns="" xmlns:adec="http://schemas.microsoft.com/office/drawing/2017/decorative" val="1"/>
               </a:ext>
             </a:extLst>
           </p:cNvPr>
@@ -4597,7 +4597,7 @@
                 <a16:creationId xmlns:a16="http://schemas.microsoft.com/office/drawing/2014/main" id="{EBA87361-6D30-46E4-834B-719CF59055EA}"/>
               </a:ext>
               <a:ext uri="{C183D7F6-B498-43B3-948B-1728B52AA6E4}">
-                <adec:decorative xmlns:adec="http://schemas.microsoft.com/office/drawing/2017/decorative" xmlns="" val="1"/>
+                <adec:decorative xmlns="" xmlns:adec="http://schemas.microsoft.com/office/drawing/2017/decorative" val="1"/>
               </a:ext>
             </a:extLst>
           </p:cNvPr>
@@ -4772,7 +4772,7 @@
                 <a16:creationId xmlns:a16="http://schemas.microsoft.com/office/drawing/2014/main" id="{9DBC4630-03DA-474F-BBCB-BA3AE6B317A4}"/>
               </a:ext>
               <a:ext uri="{C183D7F6-B498-43B3-948B-1728B52AA6E4}">
-                <adec:decorative xmlns:adec="http://schemas.microsoft.com/office/drawing/2017/decorative" xmlns="" val="1"/>
+                <adec:decorative xmlns="" xmlns:adec="http://schemas.microsoft.com/office/drawing/2017/decorative" val="1"/>
               </a:ext>
             </a:extLst>
           </p:cNvPr>
@@ -4943,7 +4943,7 @@
                 <a16:creationId xmlns:a16="http://schemas.microsoft.com/office/drawing/2014/main" id="{D89DB1C0-FEEC-4CB6-88B2-F9C5562E09D1}"/>
               </a:ext>
               <a:ext uri="{C183D7F6-B498-43B3-948B-1728B52AA6E4}">
-                <adec:decorative xmlns:adec="http://schemas.microsoft.com/office/drawing/2017/decorative" xmlns="" val="1"/>
+                <adec:decorative xmlns="" xmlns:adec="http://schemas.microsoft.com/office/drawing/2017/decorative" val="1"/>
               </a:ext>
             </a:extLst>
           </p:cNvPr>
@@ -5112,7 +5112,7 @@
                 <a16:creationId xmlns:a16="http://schemas.microsoft.com/office/drawing/2014/main" id="{78418A25-6EAC-4140-BFE6-284E1925B5EE}"/>
               </a:ext>
               <a:ext uri="{C183D7F6-B498-43B3-948B-1728B52AA6E4}">
-                <adec:decorative xmlns:adec="http://schemas.microsoft.com/office/drawing/2017/decorative" xmlns="" val="1"/>
+                <adec:decorative xmlns="" xmlns:adec="http://schemas.microsoft.com/office/drawing/2017/decorative" val="1"/>
               </a:ext>
             </a:extLst>
           </p:cNvPr>
@@ -5206,7 +5206,7 @@
                 <a16:creationId xmlns:a16="http://schemas.microsoft.com/office/drawing/2014/main" id="{08163D1C-ED91-4D5F-A33B-CF1256B270D4}"/>
               </a:ext>
               <a:ext uri="{C183D7F6-B498-43B3-948B-1728B52AA6E4}">
-                <adec:decorative xmlns:adec="http://schemas.microsoft.com/office/drawing/2017/decorative" xmlns="" val="1"/>
+                <adec:decorative xmlns="" xmlns:adec="http://schemas.microsoft.com/office/drawing/2017/decorative" val="1"/>
               </a:ext>
             </a:extLst>
           </p:cNvPr>
@@ -5298,7 +5298,7 @@
                 <a16:creationId xmlns:a16="http://schemas.microsoft.com/office/drawing/2014/main" id="{31103AB2-C090-458F-B752-294F23AFA8AD}"/>
               </a:ext>
               <a:ext uri="{C183D7F6-B498-43B3-948B-1728B52AA6E4}">
-                <adec:decorative xmlns:adec="http://schemas.microsoft.com/office/drawing/2017/decorative" xmlns="" val="1"/>
+                <adec:decorative xmlns="" xmlns:adec="http://schemas.microsoft.com/office/drawing/2017/decorative" val="1"/>
               </a:ext>
             </a:extLst>
           </p:cNvPr>
@@ -5467,7 +5467,7 @@
                 <a16:creationId xmlns:a16="http://schemas.microsoft.com/office/drawing/2014/main" id="{83D471F3-782A-4BA1-9CAB-FF5CDF0A75E0}"/>
               </a:ext>
               <a:ext uri="{C183D7F6-B498-43B3-948B-1728B52AA6E4}">
-                <adec:decorative xmlns:adec="http://schemas.microsoft.com/office/drawing/2017/decorative" xmlns="" val="1"/>
+                <adec:decorative xmlns="" xmlns:adec="http://schemas.microsoft.com/office/drawing/2017/decorative" val="1"/>
               </a:ext>
             </a:extLst>
           </p:cNvPr>
@@ -7504,6 +7504,42 @@
               <a:t>towardsdatascience.com/how-to-get-started-with-social-network-analysis-6d527685d374</a:t>
             </a:r>
             <a:endParaRPr lang="en-NZ" dirty="0" smtClean="0"/>
+          </a:p>
+          <a:p>
+            <a:r>
+              <a:rPr lang="en-NZ" dirty="0">
+                <a:hlinkClick r:id="rId3"/>
+              </a:rPr>
+              <a:t>https://datastorm-open.github.io/visNetwork</a:t>
+            </a:r>
+            <a:r>
+              <a:rPr lang="en-NZ" dirty="0" smtClean="0">
+                <a:hlinkClick r:id="rId3"/>
+              </a:rPr>
+              <a:t>/</a:t>
+            </a:r>
+            <a:endParaRPr lang="en-NZ" dirty="0" smtClean="0"/>
+          </a:p>
+          <a:p>
+            <a:r>
+              <a:rPr lang="en-NZ">
+                <a:hlinkClick r:id="rId4"/>
+              </a:rPr>
+              <a:t>https</a:t>
+            </a:r>
+            <a:r>
+              <a:rPr lang="en-NZ">
+                <a:hlinkClick r:id="rId4"/>
+              </a:rPr>
+              <a:t>://</a:t>
+            </a:r>
+            <a:r>
+              <a:rPr lang="en-NZ" smtClean="0">
+                <a:hlinkClick r:id="rId4"/>
+              </a:rPr>
+              <a:t>cran.r-project.org/web/packages/visNetwork/vignettes/Introduction-to-visNetwork.html</a:t>
+            </a:r>
+            <a:endParaRPr lang="en-NZ" smtClean="0"/>
           </a:p>
           <a:p>
             <a:endParaRPr lang="en-NZ" dirty="0"/>
@@ -9490,6 +9526,14 @@
 </file>
 
 <file path=customXml/item1.xml><?xml version="1.0" encoding="utf-8"?>
+<p:properties xmlns:p="http://schemas.microsoft.com/office/2006/metadata/properties" xmlns:xsi="http://www.w3.org/2001/XMLSchema-instance" xmlns:pc="http://schemas.microsoft.com/office/infopath/2007/PartnerControls">
+  <documentManagement>
+    <MediaServiceKeyPoints xmlns="71af3243-3dd4-4a8d-8c0d-dd76da1f02a5" xsi:nil="true"/>
+  </documentManagement>
+</p:properties>
+</file>
+
+<file path=customXml/item2.xml><?xml version="1.0" encoding="utf-8"?>
 <ct:contentTypeSchema xmlns:ct="http://schemas.microsoft.com/office/2006/metadata/contentType" xmlns:ma="http://schemas.microsoft.com/office/2006/metadata/properties/metaAttributes" ct:_="" ma:_="" ma:contentTypeName="Document" ma:contentTypeID="0x01010079F111ED35F8CC479449609E8A0923A6" ma:contentTypeVersion="11" ma:contentTypeDescription="Create a new document." ma:contentTypeScope="" ma:versionID="96291512c1ee715ab617f4c07df79fc1">
   <xsd:schema xmlns:xsd="http://www.w3.org/2001/XMLSchema" xmlns:xs="http://www.w3.org/2001/XMLSchema" xmlns:p="http://schemas.microsoft.com/office/2006/metadata/properties" xmlns:ns2="71af3243-3dd4-4a8d-8c0d-dd76da1f02a5" xmlns:ns3="16c05727-aa75-4e4a-9b5f-8a80a1165891" targetNamespace="http://schemas.microsoft.com/office/2006/metadata/properties" ma:root="true" ma:fieldsID="8256c27c40ca5c40ce1cf6c44f0205df" ns2:_="" ns3:_="">
     <xsd:import namespace="71af3243-3dd4-4a8d-8c0d-dd76da1f02a5"/>
@@ -9700,14 +9744,6 @@
 </ct:contentTypeSchema>
 </file>
 
-<file path=customXml/item2.xml><?xml version="1.0" encoding="utf-8"?>
-<p:properties xmlns:p="http://schemas.microsoft.com/office/2006/metadata/properties" xmlns:xsi="http://www.w3.org/2001/XMLSchema-instance" xmlns:pc="http://schemas.microsoft.com/office/infopath/2007/PartnerControls">
-  <documentManagement>
-    <MediaServiceKeyPoints xmlns="71af3243-3dd4-4a8d-8c0d-dd76da1f02a5" xsi:nil="true"/>
-  </documentManagement>
-</p:properties>
-</file>
-
 <file path=customXml/item3.xml><?xml version="1.0" encoding="utf-8"?>
 <?mso-contentType ?>
 <FormTemplates xmlns="http://schemas.microsoft.com/sharepoint/v3/contenttype/forms">
@@ -9718,6 +9754,23 @@
 </file>
 
 <file path=customXml/itemProps1.xml><?xml version="1.0" encoding="utf-8"?>
+<ds:datastoreItem xmlns:ds="http://schemas.openxmlformats.org/officeDocument/2006/customXml" ds:itemID="{03C7D9E6-B0D9-433E-BD46-EB60F64F4DA8}">
+  <ds:schemaRefs>
+    <ds:schemaRef ds:uri="http://schemas.microsoft.com/office/infopath/2007/PartnerControls"/>
+    <ds:schemaRef ds:uri="http://purl.org/dc/terms/"/>
+    <ds:schemaRef ds:uri="http://schemas.microsoft.com/office/2006/documentManagement/types"/>
+    <ds:schemaRef ds:uri="http://purl.org/dc/elements/1.1/"/>
+    <ds:schemaRef ds:uri="http://schemas.microsoft.com/office/2006/metadata/properties"/>
+    <ds:schemaRef ds:uri="http://schemas.openxmlformats.org/package/2006/metadata/core-properties"/>
+    <ds:schemaRef ds:uri="16c05727-aa75-4e4a-9b5f-8a80a1165891"/>
+    <ds:schemaRef ds:uri="71af3243-3dd4-4a8d-8c0d-dd76da1f02a5"/>
+    <ds:schemaRef ds:uri="http://www.w3.org/XML/1998/namespace"/>
+    <ds:schemaRef ds:uri="http://purl.org/dc/dcmitype/"/>
+  </ds:schemaRefs>
+</ds:datastoreItem>
+</file>
+
+<file path=customXml/itemProps2.xml><?xml version="1.0" encoding="utf-8"?>
 <ds:datastoreItem xmlns:ds="http://schemas.openxmlformats.org/officeDocument/2006/customXml" ds:itemID="{B2AB02E3-5ADF-4BF0-9C1B-35CDF3FE95B0}">
   <ds:schemaRefs>
     <ds:schemaRef ds:uri="http://schemas.microsoft.com/office/2006/metadata/contentType"/>
@@ -9736,23 +9789,6 @@
 </ds:datastoreItem>
 </file>
 
-<file path=customXml/itemProps2.xml><?xml version="1.0" encoding="utf-8"?>
-<ds:datastoreItem xmlns:ds="http://schemas.openxmlformats.org/officeDocument/2006/customXml" ds:itemID="{03C7D9E6-B0D9-433E-BD46-EB60F64F4DA8}">
-  <ds:schemaRefs>
-    <ds:schemaRef ds:uri="http://schemas.microsoft.com/office/infopath/2007/PartnerControls"/>
-    <ds:schemaRef ds:uri="http://purl.org/dc/terms/"/>
-    <ds:schemaRef ds:uri="http://schemas.microsoft.com/office/2006/documentManagement/types"/>
-    <ds:schemaRef ds:uri="http://purl.org/dc/elements/1.1/"/>
-    <ds:schemaRef ds:uri="http://schemas.microsoft.com/office/2006/metadata/properties"/>
-    <ds:schemaRef ds:uri="http://schemas.openxmlformats.org/package/2006/metadata/core-properties"/>
-    <ds:schemaRef ds:uri="16c05727-aa75-4e4a-9b5f-8a80a1165891"/>
-    <ds:schemaRef ds:uri="71af3243-3dd4-4a8d-8c0d-dd76da1f02a5"/>
-    <ds:schemaRef ds:uri="http://www.w3.org/XML/1998/namespace"/>
-    <ds:schemaRef ds:uri="http://purl.org/dc/dcmitype/"/>
-  </ds:schemaRefs>
-</ds:datastoreItem>
-</file>
-
 <file path=customXml/itemProps3.xml><?xml version="1.0" encoding="utf-8"?>
 <ds:datastoreItem xmlns:ds="http://schemas.openxmlformats.org/officeDocument/2006/customXml" ds:itemID="{5CA875DA-F9FD-4F83-A049-3B1027B542DE}">
   <ds:schemaRefs>
